--- a/20170531-anug-90min/Presentation.pptx
+++ b/20170531-anug-90min/Presentation.pptx
@@ -2243,7 +2243,7 @@
           <a:graphicData uri="http://schemas.openxmlformats.org/presentationml/2006/ole">
             <mc:AlternateContent xmlns:mc="http://schemas.openxmlformats.org/markup-compatibility/2006">
               <mc:Choice xmlns:v="urn:schemas-microsoft-com:vml" Requires="v">
-                <p:oleObj spid="_x0000_s1470" name="think-cell Slide" r:id="rId11" imgW="473" imgH="473" progId="TCLayout.ActiveDocument.1">
+                <p:oleObj spid="_x0000_s1471" name="think-cell Slide" r:id="rId11" imgW="473" imgH="473" progId="TCLayout.ActiveDocument.1">
                   <p:embed/>
                 </p:oleObj>
               </mc:Choice>
@@ -6326,9 +6326,9 @@
           <p:nvPr/>
         </p:nvSpPr>
         <p:spPr>
-          <a:xfrm rot="3146799">
-            <a:off x="7605551" y="1738241"/>
-            <a:ext cx="2070095" cy="3315911"/>
+          <a:xfrm rot="16519515">
+            <a:off x="7156096" y="1288785"/>
+            <a:ext cx="2442404" cy="3842514"/>
           </a:xfrm>
           <a:prstGeom prst="downArrow">
             <a:avLst/>
